--- a/materials/session9/PL/ML-Session9-PL.pptx
+++ b/materials/session9/PL/ML-Session9-PL.pptx
@@ -118,7 +118,7 @@
 <file path=ppt/revisionInfo.xml><?xml version="1.0" encoding="utf-8"?>
 <p1510:revInfo xmlns:a="http://schemas.openxmlformats.org/drawingml/2006/main" xmlns:r="http://schemas.openxmlformats.org/officeDocument/2006/relationships" xmlns:p1510="http://schemas.microsoft.com/office/powerpoint/2015/10/main">
   <p1510:revLst>
-    <p1510:client id="{D8FBFEC2-A8C5-BB8A-67C8-E3C146A0684A}" v="85" dt="2024-03-06T22:17:31.398"/>
+    <p1510:client id="{1DE6A931-545B-C36D-5C48-E8C8DFCA81C0}" v="19" dt="2024-03-13T18:58:15.569"/>
   </p1510:revLst>
 </p1510:revInfo>
 </file>
@@ -252,7 +252,7 @@
           <a:p>
             <a:fld id="{E431C0BB-DC71-4713-A787-95011EDB8CA8}" type="datetimeFigureOut">
               <a:rPr lang="pt-PT" smtClean="0"/>
-              <a:t>06/03/2024</a:t>
+              <a:t>13/03/2024</a:t>
             </a:fld>
             <a:endParaRPr lang="pt-PT"/>
           </a:p>
@@ -420,7 +420,7 @@
           <a:p>
             <a:fld id="{E431C0BB-DC71-4713-A787-95011EDB8CA8}" type="datetimeFigureOut">
               <a:rPr lang="pt-PT" smtClean="0"/>
-              <a:t>06/03/2024</a:t>
+              <a:t>13/03/2024</a:t>
             </a:fld>
             <a:endParaRPr lang="pt-PT"/>
           </a:p>
@@ -598,7 +598,7 @@
           <a:p>
             <a:fld id="{E431C0BB-DC71-4713-A787-95011EDB8CA8}" type="datetimeFigureOut">
               <a:rPr lang="pt-PT" smtClean="0"/>
-              <a:t>06/03/2024</a:t>
+              <a:t>13/03/2024</a:t>
             </a:fld>
             <a:endParaRPr lang="pt-PT"/>
           </a:p>
@@ -766,7 +766,7 @@
           <a:p>
             <a:fld id="{E431C0BB-DC71-4713-A787-95011EDB8CA8}" type="datetimeFigureOut">
               <a:rPr lang="pt-PT" smtClean="0"/>
-              <a:t>06/03/2024</a:t>
+              <a:t>13/03/2024</a:t>
             </a:fld>
             <a:endParaRPr lang="pt-PT"/>
           </a:p>
@@ -1011,7 +1011,7 @@
           <a:p>
             <a:fld id="{E431C0BB-DC71-4713-A787-95011EDB8CA8}" type="datetimeFigureOut">
               <a:rPr lang="pt-PT" smtClean="0"/>
-              <a:t>06/03/2024</a:t>
+              <a:t>13/03/2024</a:t>
             </a:fld>
             <a:endParaRPr lang="pt-PT"/>
           </a:p>
@@ -1240,7 +1240,7 @@
           <a:p>
             <a:fld id="{E431C0BB-DC71-4713-A787-95011EDB8CA8}" type="datetimeFigureOut">
               <a:rPr lang="pt-PT" smtClean="0"/>
-              <a:t>06/03/2024</a:t>
+              <a:t>13/03/2024</a:t>
             </a:fld>
             <a:endParaRPr lang="pt-PT"/>
           </a:p>
@@ -1604,7 +1604,7 @@
           <a:p>
             <a:fld id="{E431C0BB-DC71-4713-A787-95011EDB8CA8}" type="datetimeFigureOut">
               <a:rPr lang="pt-PT" smtClean="0"/>
-              <a:t>06/03/2024</a:t>
+              <a:t>13/03/2024</a:t>
             </a:fld>
             <a:endParaRPr lang="pt-PT"/>
           </a:p>
@@ -1721,7 +1721,7 @@
           <a:p>
             <a:fld id="{E431C0BB-DC71-4713-A787-95011EDB8CA8}" type="datetimeFigureOut">
               <a:rPr lang="pt-PT" smtClean="0"/>
-              <a:t>06/03/2024</a:t>
+              <a:t>13/03/2024</a:t>
             </a:fld>
             <a:endParaRPr lang="pt-PT"/>
           </a:p>
@@ -1816,7 +1816,7 @@
           <a:p>
             <a:fld id="{E431C0BB-DC71-4713-A787-95011EDB8CA8}" type="datetimeFigureOut">
               <a:rPr lang="pt-PT" smtClean="0"/>
-              <a:t>06/03/2024</a:t>
+              <a:t>13/03/2024</a:t>
             </a:fld>
             <a:endParaRPr lang="pt-PT"/>
           </a:p>
@@ -2091,7 +2091,7 @@
           <a:p>
             <a:fld id="{E431C0BB-DC71-4713-A787-95011EDB8CA8}" type="datetimeFigureOut">
               <a:rPr lang="pt-PT" smtClean="0"/>
-              <a:t>06/03/2024</a:t>
+              <a:t>13/03/2024</a:t>
             </a:fld>
             <a:endParaRPr lang="pt-PT"/>
           </a:p>
@@ -2343,7 +2343,7 @@
           <a:p>
             <a:fld id="{E431C0BB-DC71-4713-A787-95011EDB8CA8}" type="datetimeFigureOut">
               <a:rPr lang="pt-PT" smtClean="0"/>
-              <a:t>06/03/2024</a:t>
+              <a:t>13/03/2024</a:t>
             </a:fld>
             <a:endParaRPr lang="pt-PT"/>
           </a:p>
@@ -2554,7 +2554,7 @@
           <a:p>
             <a:fld id="{E431C0BB-DC71-4713-A787-95011EDB8CA8}" type="datetimeFigureOut">
               <a:rPr lang="pt-PT" smtClean="0"/>
-              <a:t>06/03/2024</a:t>
+              <a:t>13/03/2024</a:t>
             </a:fld>
             <a:endParaRPr lang="pt-PT"/>
           </a:p>
@@ -6038,7 +6038,7 @@
                 <a:ea typeface="+mn-lt"/>
                 <a:cs typeface="+mn-lt"/>
               </a:rPr>
-              <a:t>Unsupervised</a:t>
+              <a:t>Instance-based</a:t>
             </a:r>
             <a:r>
               <a:rPr lang="pt-PT" sz="900" dirty="0">
@@ -6048,7 +6048,7 @@
                 <a:ea typeface="+mn-lt"/>
                 <a:cs typeface="+mn-lt"/>
               </a:rPr>
-              <a:t> </a:t>
+              <a:t> </a:t>
             </a:r>
             <a:r>
               <a:rPr lang="pt-PT" sz="900" dirty="0" err="1">
@@ -6058,7 +6058,7 @@
                 <a:ea typeface="+mn-lt"/>
                 <a:cs typeface="+mn-lt"/>
               </a:rPr>
-              <a:t>Learning</a:t>
+              <a:t>and</a:t>
             </a:r>
             <a:r>
               <a:rPr lang="pt-PT" sz="900" dirty="0">
@@ -6068,7 +6068,7 @@
                 <a:ea typeface="+mn-lt"/>
                 <a:cs typeface="+mn-lt"/>
               </a:rPr>
-              <a:t> - </a:t>
+              <a:t> </a:t>
             </a:r>
             <a:r>
               <a:rPr lang="pt-PT" sz="900" dirty="0" err="1">
@@ -6078,9 +6078,32 @@
                 <a:ea typeface="+mn-lt"/>
                 <a:cs typeface="+mn-lt"/>
               </a:rPr>
-              <a:t>Clustering</a:t>
-            </a:r>
-            <a:endParaRPr lang="pt-PT" dirty="0" err="1"/>
+              <a:t>Probabilistic</a:t>
+            </a:r>
+            <a:r>
+              <a:rPr lang="pt-PT" sz="900" dirty="0">
+                <a:solidFill>
+                  <a:srgbClr val="FFFFFF"/>
+                </a:solidFill>
+                <a:ea typeface="+mn-lt"/>
+                <a:cs typeface="+mn-lt"/>
+              </a:rPr>
+              <a:t> </a:t>
+            </a:r>
+            <a:r>
+              <a:rPr lang="pt-PT" sz="900" dirty="0" err="1">
+                <a:solidFill>
+                  <a:srgbClr val="FFFFFF"/>
+                </a:solidFill>
+                <a:ea typeface="+mn-lt"/>
+                <a:cs typeface="+mn-lt"/>
+              </a:rPr>
+              <a:t>Models</a:t>
+            </a:r>
+            <a:endParaRPr lang="pt-PT" dirty="0" err="1">
+              <a:ea typeface="+mn-lt"/>
+              <a:cs typeface="+mn-lt"/>
+            </a:endParaRPr>
           </a:p>
         </p:txBody>
       </p:sp>
